--- a/2017_metagenomics.pptx
+++ b/2017_metagenomics.pptx
@@ -3819,14 +3819,14 @@
             </a:ln>
             <a:extLst>
               <a:ext uri="{909E8E84-426E-40dd-AFC4-6F175D3DCCD1}">
-                <a14:hiddenFill xmlns="" xmlns:a14="http://schemas.microsoft.com/office/drawing/2010/main">
+                <a14:hiddenFill xmlns:a14="http://schemas.microsoft.com/office/drawing/2010/main" xmlns="">
                   <a:solidFill>
                     <a:srgbClr val="FFFFFF"/>
                   </a:solidFill>
                 </a14:hiddenFill>
               </a:ext>
               <a:ext uri="{91240B29-F687-4f45-9708-019B960494DF}">
-                <a14:hiddenLine xmlns="" xmlns:a14="http://schemas.microsoft.com/office/drawing/2010/main" w="9525">
+                <a14:hiddenLine xmlns:a14="http://schemas.microsoft.com/office/drawing/2010/main" xmlns="" w="9525">
                   <a:solidFill>
                     <a:srgbClr val="000000"/>
                   </a:solidFill>
@@ -3861,14 +3861,14 @@
             <a:effectLst/>
             <a:extLst>
               <a:ext uri="{909E8E84-426E-40dd-AFC4-6F175D3DCCD1}">
-                <a14:hiddenFill xmlns="" xmlns:a14="http://schemas.microsoft.com/office/drawing/2010/main">
+                <a14:hiddenFill xmlns:a14="http://schemas.microsoft.com/office/drawing/2010/main" xmlns="">
                   <a:solidFill>
                     <a:schemeClr val="accent1"/>
                   </a:solidFill>
                 </a14:hiddenFill>
               </a:ext>
               <a:ext uri="{91240B29-F687-4f45-9708-019B960494DF}">
-                <a14:hiddenLine xmlns="" xmlns:a14="http://schemas.microsoft.com/office/drawing/2010/main" w="9525">
+                <a14:hiddenLine xmlns:a14="http://schemas.microsoft.com/office/drawing/2010/main" xmlns="" w="9525">
                   <a:solidFill>
                     <a:schemeClr val="tx1"/>
                   </a:solidFill>
@@ -3878,7 +3878,7 @@
                 </a14:hiddenLine>
               </a:ext>
               <a:ext uri="{AF507438-7753-43e0-B8FC-AC1667EBCBE1}">
-                <a14:hiddenEffects xmlns="" xmlns:a14="http://schemas.microsoft.com/office/drawing/2010/main">
+                <a14:hiddenEffects xmlns:a14="http://schemas.microsoft.com/office/drawing/2010/main" xmlns="">
                   <a:effectLst>
                     <a:outerShdw blurRad="63500" dist="38099" dir="2700000" algn="ctr" rotWithShape="0">
                       <a:schemeClr val="bg2">
@@ -3936,7 +3936,7 @@
             <a:effectLst/>
             <a:extLst>
               <a:ext uri="{AF507438-7753-43e0-B8FC-AC1667EBCBE1}">
-                <a14:hiddenEffects xmlns="" xmlns:a14="http://schemas.microsoft.com/office/drawing/2010/main">
+                <a14:hiddenEffects xmlns:a14="http://schemas.microsoft.com/office/drawing/2010/main" xmlns="">
                   <a:effectLst>
                     <a:outerShdw blurRad="63500" dist="38099" dir="2700000" algn="ctr" rotWithShape="0">
                       <a:schemeClr val="bg2">
@@ -3990,7 +3990,7 @@
           <a:effectLst/>
           <a:extLst>
             <a:ext uri="{AF507438-7753-43e0-B8FC-AC1667EBCBE1}">
-              <a14:hiddenEffects xmlns="" xmlns:a14="http://schemas.microsoft.com/office/drawing/2010/main">
+              <a14:hiddenEffects xmlns:a14="http://schemas.microsoft.com/office/drawing/2010/main" xmlns="">
                 <a:effectLst>
                   <a:outerShdw blurRad="63500" dist="38099" dir="2700000" algn="ctr" rotWithShape="0">
                     <a:schemeClr val="bg2">
@@ -9618,11 +9618,7 @@
             </a:r>
             <a:r>
               <a:rPr lang="en-US" dirty="0" smtClean="0"/>
-              <a:t>Use </a:t>
-            </a:r>
-            <a:r>
-              <a:rPr lang="en-US" dirty="0" smtClean="0"/>
-              <a:t>16S </a:t>
+              <a:t>Use 16S </a:t>
             </a:r>
             <a:r>
               <a:rPr lang="en-US" dirty="0" err="1" smtClean="0"/>
@@ -9630,11 +9626,7 @@
             </a:r>
             <a:r>
               <a:rPr lang="en-US" dirty="0" smtClean="0"/>
-              <a:t> gene counts to infer whole </a:t>
-            </a:r>
-            <a:r>
-              <a:rPr lang="en-US" dirty="0" smtClean="0"/>
-              <a:t>genomes</a:t>
+              <a:t> gene counts to infer whole genomes</a:t>
             </a:r>
             <a:endParaRPr lang="en-US" dirty="0"/>
           </a:p>
@@ -10103,38 +10095,71 @@
           <a:lstStyle/>
           <a:p>
             <a:r>
-              <a:rPr lang="en-US" dirty="0" smtClean="0"/>
+              <a:rPr lang="en-US" dirty="0" smtClean="0">
+                <a:hlinkClick r:id="rId2"/>
+              </a:rPr>
               <a:t>https://</a:t>
             </a:r>
             <a:r>
+              <a:rPr lang="en-US" dirty="0" smtClean="0">
+                <a:hlinkClick r:id="rId2"/>
+              </a:rPr>
+              <a:t>bitbucket.org/biobakery/biobakery/wiki/lefse</a:t>
+            </a:r>
+            <a:endParaRPr lang="en-US" dirty="0" smtClean="0"/>
+          </a:p>
+          <a:p>
+            <a:endParaRPr lang="en-US" dirty="0"/>
+          </a:p>
+          <a:p>
+            <a:r>
+              <a:rPr lang="en-US" dirty="0" smtClean="0"/>
+              <a:t>Data download:</a:t>
+            </a:r>
+          </a:p>
+          <a:p>
+            <a:pPr lvl="1"/>
+            <a:r>
+              <a:rPr lang="en-US" smtClean="0"/>
+              <a:t> cd data/</a:t>
+            </a:r>
+            <a:endParaRPr lang="en-US" dirty="0" smtClean="0"/>
+          </a:p>
+          <a:p>
+            <a:pPr lvl="1"/>
+            <a:r>
+              <a:rPr lang="en-US" dirty="0" smtClean="0"/>
+              <a:t> </a:t>
+            </a:r>
+            <a:r>
               <a:rPr lang="en-US" dirty="0" err="1" smtClean="0"/>
-              <a:t>bitbucket.org</a:t>
-            </a:r>
-            <a:r>
-              <a:rPr lang="en-US" dirty="0" smtClean="0"/>
+              <a:t>wget</a:t>
+            </a:r>
+            <a:r>
+              <a:rPr lang="en-US" dirty="0" smtClean="0"/>
+              <a:t> http</a:t>
+            </a:r>
+            <a:r>
+              <a:rPr lang="en-US" dirty="0"/>
+              <a:t>://</a:t>
+            </a:r>
+            <a:r>
+              <a:rPr lang="en-US" dirty="0" err="1"/>
+              <a:t>huttenhower.sph.harvard.edu</a:t>
+            </a:r>
+            <a:r>
+              <a:rPr lang="en-US" dirty="0"/>
               <a:t>/</a:t>
             </a:r>
             <a:r>
-              <a:rPr lang="en-US" dirty="0" err="1" smtClean="0"/>
-              <a:t>biobakery</a:t>
-            </a:r>
-            <a:r>
-              <a:rPr lang="en-US" dirty="0" smtClean="0"/>
-              <a:t>/</a:t>
-            </a:r>
-            <a:r>
-              <a:rPr lang="en-US" dirty="0" err="1" smtClean="0"/>
-              <a:t>biobakery</a:t>
-            </a:r>
-            <a:r>
-              <a:rPr lang="en-US" dirty="0" smtClean="0"/>
-              <a:t>/wiki/</a:t>
-            </a:r>
-            <a:r>
-              <a:rPr lang="en-US" smtClean="0"/>
-              <a:t>lefse</a:t>
-            </a:r>
-            <a:endParaRPr lang="en-US"/>
+              <a:rPr lang="en-US" dirty="0" err="1"/>
+              <a:t>webfm_send</a:t>
+            </a:r>
+            <a:r>
+              <a:rPr lang="en-US" dirty="0"/>
+              <a:t>/129</a:t>
+            </a:r>
+            <a:endParaRPr lang="en-US" dirty="0"/>
           </a:p>
         </p:txBody>
       </p:sp>
@@ -11319,7 +11344,7 @@
           <a:graphicData uri="http://schemas.openxmlformats.org/presentationml/2006/ole">
             <mc:AlternateContent xmlns:mc="http://schemas.openxmlformats.org/markup-compatibility/2006">
               <mc:Choice xmlns:v="urn:schemas-microsoft-com:vml" Requires="v">
-                <p:oleObj spid="_x0000_s1130" name="Equation" r:id="rId3" imgW="1790700" imgH="444500" progId="Equation.3">
+                <p:oleObj spid="_x0000_s1143" name="Equation" r:id="rId3" imgW="1790700" imgH="444500" progId="Equation.3">
                   <p:embed/>
                 </p:oleObj>
               </mc:Choice>
@@ -11362,14 +11387,14 @@
                       <a:effectLst/>
                       <a:extLst>
                         <a:ext uri="{909E8E84-426E-40dd-AFC4-6F175D3DCCD1}">
-                          <a14:hiddenFill xmlns="" xmlns:a14="http://schemas.microsoft.com/office/drawing/2010/main">
+                          <a14:hiddenFill xmlns:a14="http://schemas.microsoft.com/office/drawing/2010/main" xmlns="">
                             <a:solidFill>
                               <a:srgbClr val="FFFFFF"/>
                             </a:solidFill>
                           </a14:hiddenFill>
                         </a:ext>
                         <a:ext uri="{91240B29-F687-4f45-9708-019B960494DF}">
-                          <a14:hiddenLine xmlns="" xmlns:a14="http://schemas.microsoft.com/office/drawing/2010/main" w="9525">
+                          <a14:hiddenLine xmlns:a14="http://schemas.microsoft.com/office/drawing/2010/main" xmlns="" w="9525">
                             <a:solidFill>
                               <a:srgbClr val="000000"/>
                             </a:solidFill>
@@ -11379,7 +11404,7 @@
                           </a14:hiddenLine>
                         </a:ext>
                         <a:ext uri="{AF507438-7753-43e0-B8FC-AC1667EBCBE1}">
-                          <a14:hiddenEffects xmlns="" xmlns:a14="http://schemas.microsoft.com/office/drawing/2010/main">
+                          <a14:hiddenEffects xmlns:a14="http://schemas.microsoft.com/office/drawing/2010/main" xmlns="">
                             <a:effectLst>
                               <a:outerShdw blurRad="63500" dist="38099" dir="2700000" algn="ctr" rotWithShape="0">
                                 <a:srgbClr val="808080">
@@ -11416,7 +11441,7 @@
           <a:graphicData uri="http://schemas.openxmlformats.org/presentationml/2006/ole">
             <mc:AlternateContent xmlns:mc="http://schemas.openxmlformats.org/markup-compatibility/2006">
               <mc:Choice xmlns:v="urn:schemas-microsoft-com:vml" Requires="v">
-                <p:oleObj spid="_x0000_s1131" name="Equation" r:id="rId5" imgW="1524000" imgH="419100" progId="Equation.3">
+                <p:oleObj spid="_x0000_s1144" name="Equation" r:id="rId5" imgW="1524000" imgH="419100" progId="Equation.3">
                   <p:embed/>
                 </p:oleObj>
               </mc:Choice>
@@ -11459,14 +11484,14 @@
                       <a:effectLst/>
                       <a:extLst>
                         <a:ext uri="{909E8E84-426E-40dd-AFC4-6F175D3DCCD1}">
-                          <a14:hiddenFill xmlns="" xmlns:a14="http://schemas.microsoft.com/office/drawing/2010/main">
+                          <a14:hiddenFill xmlns:a14="http://schemas.microsoft.com/office/drawing/2010/main" xmlns="">
                             <a:solidFill>
                               <a:srgbClr val="FFFFFF"/>
                             </a:solidFill>
                           </a14:hiddenFill>
                         </a:ext>
                         <a:ext uri="{91240B29-F687-4f45-9708-019B960494DF}">
-                          <a14:hiddenLine xmlns="" xmlns:a14="http://schemas.microsoft.com/office/drawing/2010/main" w="9525">
+                          <a14:hiddenLine xmlns:a14="http://schemas.microsoft.com/office/drawing/2010/main" xmlns="" w="9525">
                             <a:solidFill>
                               <a:srgbClr val="000000"/>
                             </a:solidFill>
@@ -11476,7 +11501,7 @@
                           </a14:hiddenLine>
                         </a:ext>
                         <a:ext uri="{AF507438-7753-43e0-B8FC-AC1667EBCBE1}">
-                          <a14:hiddenEffects xmlns="" xmlns:a14="http://schemas.microsoft.com/office/drawing/2010/main">
+                          <a14:hiddenEffects xmlns:a14="http://schemas.microsoft.com/office/drawing/2010/main" xmlns="">
                             <a:effectLst>
                               <a:outerShdw blurRad="63500" dist="38099" dir="2700000" algn="ctr" rotWithShape="0">
                                 <a:srgbClr val="808080">
@@ -11518,14 +11543,14 @@
           <a:effectLst/>
           <a:extLst>
             <a:ext uri="{909E8E84-426E-40dd-AFC4-6F175D3DCCD1}">
-              <a14:hiddenFill xmlns="" xmlns:a14="http://schemas.microsoft.com/office/drawing/2010/main">
+              <a14:hiddenFill xmlns:a14="http://schemas.microsoft.com/office/drawing/2010/main" xmlns="">
                 <a:solidFill>
                   <a:schemeClr val="accent1"/>
                 </a:solidFill>
               </a14:hiddenFill>
             </a:ext>
             <a:ext uri="{91240B29-F687-4f45-9708-019B960494DF}">
-              <a14:hiddenLine xmlns="" xmlns:a14="http://schemas.microsoft.com/office/drawing/2010/main" w="9525">
+              <a14:hiddenLine xmlns:a14="http://schemas.microsoft.com/office/drawing/2010/main" xmlns="" w="9525">
                 <a:solidFill>
                   <a:schemeClr val="tx1"/>
                 </a:solidFill>
@@ -11535,7 +11560,7 @@
               </a14:hiddenLine>
             </a:ext>
             <a:ext uri="{AF507438-7753-43e0-B8FC-AC1667EBCBE1}">
-              <a14:hiddenEffects xmlns="" xmlns:a14="http://schemas.microsoft.com/office/drawing/2010/main">
+              <a14:hiddenEffects xmlns:a14="http://schemas.microsoft.com/office/drawing/2010/main" xmlns="">
                 <a:effectLst>
                   <a:outerShdw blurRad="63500" dist="38099" dir="2700000" algn="ctr" rotWithShape="0">
                     <a:schemeClr val="bg2">
@@ -11586,14 +11611,14 @@
           <a:effectLst/>
           <a:extLst>
             <a:ext uri="{909E8E84-426E-40dd-AFC4-6F175D3DCCD1}">
-              <a14:hiddenFill xmlns="" xmlns:a14="http://schemas.microsoft.com/office/drawing/2010/main">
+              <a14:hiddenFill xmlns:a14="http://schemas.microsoft.com/office/drawing/2010/main" xmlns="">
                 <a:solidFill>
                   <a:schemeClr val="accent1"/>
                 </a:solidFill>
               </a14:hiddenFill>
             </a:ext>
             <a:ext uri="{91240B29-F687-4f45-9708-019B960494DF}">
-              <a14:hiddenLine xmlns="" xmlns:a14="http://schemas.microsoft.com/office/drawing/2010/main" w="9525">
+              <a14:hiddenLine xmlns:a14="http://schemas.microsoft.com/office/drawing/2010/main" xmlns="" w="9525">
                 <a:solidFill>
                   <a:schemeClr val="tx1"/>
                 </a:solidFill>
@@ -11603,7 +11628,7 @@
               </a14:hiddenLine>
             </a:ext>
             <a:ext uri="{AF507438-7753-43e0-B8FC-AC1667EBCBE1}">
-              <a14:hiddenEffects xmlns="" xmlns:a14="http://schemas.microsoft.com/office/drawing/2010/main">
+              <a14:hiddenEffects xmlns:a14="http://schemas.microsoft.com/office/drawing/2010/main" xmlns="">
                 <a:effectLst>
                   <a:outerShdw blurRad="63500" dist="38099" dir="2700000" algn="ctr" rotWithShape="0">
                     <a:schemeClr val="bg2">
